--- a/papers/Presentations/WACAI18/WACAI18.pptx
+++ b/papers/Presentations/WACAI18/WACAI18.pptx
@@ -11071,8 +11071,8 @@
         </p:nvSpPr>
         <p:spPr>
           <a:xfrm>
-            <a:off x="539552" y="987574"/>
-            <a:ext cx="8280920" cy="3939540"/>
+            <a:off x="323528" y="987574"/>
+            <a:ext cx="8712968" cy="3908762"/>
           </a:xfrm>
           <a:prstGeom prst="rect">
             <a:avLst/>
@@ -11097,6 +11097,11 @@
             </a:r>
           </a:p>
           <a:p>
+            <a:pPr>
+              <a:buClr>
+                <a:srgbClr val="9AD3E9"/>
+              </a:buClr>
+            </a:pPr>
             <a:endParaRPr lang="fr-FR" sz="2000" dirty="0"/>
           </a:p>
           <a:p>
@@ -11128,6 +11133,85 @@
             </a:r>
           </a:p>
           <a:p>
+            <a:pPr lvl="0"/>
+            <a:r>
+              <a:rPr lang="fr-FR" sz="2000" i="1" dirty="0">
+                <a:solidFill>
+                  <a:srgbClr val="9AD3E9"/>
+                </a:solidFill>
+              </a:rPr>
+              <a:t>	</a:t>
+            </a:r>
+            <a:r>
+              <a:rPr lang="fr-FR" sz="2000" b="1" i="1" dirty="0">
+                <a:solidFill>
+                  <a:srgbClr val="9AD3E9"/>
+                </a:solidFill>
+              </a:rPr>
+              <a:t>Agent Bob </a:t>
+            </a:r>
+            <a:r>
+              <a:rPr lang="fr-FR" sz="2000" dirty="0">
+                <a:solidFill>
+                  <a:prstClr val="black"/>
+                </a:solidFill>
+              </a:rPr>
+              <a:t>: Agent dominant </a:t>
+            </a:r>
+            <a:r>
+              <a:rPr lang="fr-FR" sz="2000" b="1" dirty="0">
+                <a:solidFill>
+                  <a:prstClr val="black"/>
+                </a:solidFill>
+              </a:rPr>
+              <a:t>(dom =0.8)</a:t>
+            </a:r>
+            <a:endParaRPr lang="fr-FR" sz="2000" dirty="0">
+              <a:solidFill>
+                <a:prstClr val="black"/>
+              </a:solidFill>
+            </a:endParaRPr>
+          </a:p>
+          <a:p>
+            <a:pPr lvl="0"/>
+            <a:r>
+              <a:rPr lang="fr-FR" sz="2000" i="1" dirty="0">
+                <a:solidFill>
+                  <a:srgbClr val="9AD3E9"/>
+                </a:solidFill>
+              </a:rPr>
+              <a:t>	</a:t>
+            </a:r>
+            <a:r>
+              <a:rPr lang="fr-FR" sz="2000" b="1" i="1" dirty="0">
+                <a:solidFill>
+                  <a:srgbClr val="9AD3E9"/>
+                </a:solidFill>
+              </a:rPr>
+              <a:t>Agent Arthur </a:t>
+            </a:r>
+            <a:r>
+              <a:rPr lang="fr-FR" sz="2000" dirty="0">
+                <a:solidFill>
+                  <a:prstClr val="black"/>
+                </a:solidFill>
+              </a:rPr>
+              <a:t>: Agent soumis </a:t>
+            </a:r>
+            <a:r>
+              <a:rPr lang="fr-FR" sz="2000" b="1" dirty="0">
+                <a:solidFill>
+                  <a:prstClr val="black"/>
+                </a:solidFill>
+              </a:rPr>
+              <a:t>(dom = 0.4)</a:t>
+            </a:r>
+          </a:p>
+          <a:p>
+            <a:pPr lvl="0"/>
+            <a:endParaRPr lang="fr-FR" sz="2200" b="1" dirty="0"/>
+          </a:p>
+          <a:p>
             <a:pPr marL="285750" indent="-285750">
               <a:buClr>
                 <a:srgbClr val="9AD3E9"/>
@@ -11135,98 +11219,20 @@
               <a:buFont typeface="Wingdings" panose="05000000000000000000" pitchFamily="2" charset="2"/>
               <a:buChar char="§"/>
             </a:pPr>
-            <a:endParaRPr lang="fr-FR" sz="2200" b="1" dirty="0"/>
-          </a:p>
-          <a:p>
-            <a:pPr lvl="0"/>
-            <a:r>
-              <a:rPr lang="fr-FR" sz="2000" i="1" dirty="0">
-                <a:solidFill>
-                  <a:srgbClr val="9AD3E9"/>
-                </a:solidFill>
-              </a:rPr>
-              <a:t>	</a:t>
-            </a:r>
-            <a:r>
-              <a:rPr lang="fr-FR" sz="2000" b="1" i="1" dirty="0">
-                <a:solidFill>
-                  <a:srgbClr val="9AD3E9"/>
-                </a:solidFill>
-              </a:rPr>
-              <a:t>Agent Bob </a:t>
-            </a:r>
-            <a:r>
-              <a:rPr lang="fr-FR" sz="2000" dirty="0">
-                <a:solidFill>
-                  <a:prstClr val="black"/>
-                </a:solidFill>
-              </a:rPr>
-              <a:t>: Agent dominant </a:t>
-            </a:r>
-            <a:r>
-              <a:rPr lang="fr-FR" sz="2000" b="1" dirty="0">
-                <a:solidFill>
-                  <a:prstClr val="black"/>
-                </a:solidFill>
-              </a:rPr>
-              <a:t>(dom =0.8)</a:t>
-            </a:r>
-            <a:endParaRPr lang="fr-FR" sz="2000" dirty="0">
-              <a:solidFill>
-                <a:prstClr val="black"/>
-              </a:solidFill>
-            </a:endParaRPr>
-          </a:p>
-          <a:p>
-            <a:pPr lvl="0"/>
-            <a:r>
-              <a:rPr lang="fr-FR" sz="2000" i="1" dirty="0">
-                <a:solidFill>
-                  <a:srgbClr val="9AD3E9"/>
-                </a:solidFill>
-              </a:rPr>
-              <a:t>	</a:t>
-            </a:r>
-            <a:r>
-              <a:rPr lang="fr-FR" sz="2000" b="1" i="1" dirty="0">
-                <a:solidFill>
-                  <a:srgbClr val="9AD3E9"/>
-                </a:solidFill>
-              </a:rPr>
-              <a:t>Agent Arthur </a:t>
-            </a:r>
-            <a:r>
-              <a:rPr lang="fr-FR" sz="2000" dirty="0">
-                <a:solidFill>
-                  <a:prstClr val="black"/>
-                </a:solidFill>
-              </a:rPr>
-              <a:t>: Agent soumis </a:t>
-            </a:r>
-            <a:r>
-              <a:rPr lang="fr-FR" sz="2000" b="1" dirty="0">
-                <a:solidFill>
-                  <a:prstClr val="black"/>
-                </a:solidFill>
-              </a:rPr>
-              <a:t>(dom = 0.4)</a:t>
-            </a:r>
-          </a:p>
-          <a:p>
-            <a:pPr lvl="0"/>
-            <a:endParaRPr lang="fr-FR" sz="2200" b="1" dirty="0"/>
-          </a:p>
-          <a:p>
-            <a:pPr marL="285750" indent="-285750">
+            <a:r>
+              <a:rPr lang="fr-FR" sz="2200" b="1" dirty="0"/>
+              <a:t>Etude intra-sujets</a:t>
+            </a:r>
+          </a:p>
+          <a:p>
+            <a:pPr lvl="2">
               <a:buClr>
                 <a:srgbClr val="9AD3E9"/>
               </a:buClr>
-              <a:buFont typeface="Wingdings" panose="05000000000000000000" pitchFamily="2" charset="2"/>
-              <a:buChar char="§"/>
             </a:pPr>
             <a:r>
-              <a:rPr lang="fr-FR" sz="2200" b="1" dirty="0"/>
-              <a:t>Etude intra-sujets</a:t>
+              <a:rPr lang="fr-FR" sz="2000" dirty="0"/>
+              <a:t>Questionnaire sur les 3 principes de dominance (Échelle de Lickert)</a:t>
             </a:r>
           </a:p>
           <a:p>
@@ -11237,7 +11243,11 @@
             </a:pPr>
             <a:r>
               <a:rPr lang="fr-FR" sz="2000" i="1" dirty="0"/>
-              <a:t>	40 participants au total</a:t>
+              <a:t>	Nb participants : </a:t>
+            </a:r>
+            <a:r>
+              <a:rPr lang="fr-FR" sz="2000" b="1" dirty="0"/>
+              <a:t>40 participants</a:t>
             </a:r>
           </a:p>
         </p:txBody>
